--- a/figure_preparation/figure_methods.pptx
+++ b/figure_preparation/figure_methods.pptx
@@ -165,7 +165,7 @@
           </a:lstStyle>
           <a:p>
             <a:r>
-              <a:rPr lang="en-US" smtClean="0"/>
+              <a:rPr lang="en-US"/>
               <a:t>Click to edit Master title style</a:t>
             </a:r>
             <a:endParaRPr lang="en-US" dirty="0"/>
@@ -230,7 +230,7 @@
           </a:lstStyle>
           <a:p>
             <a:r>
-              <a:rPr lang="en-US" smtClean="0"/>
+              <a:rPr lang="en-US"/>
               <a:t>Click to edit Master subtitle style</a:t>
             </a:r>
             <a:endParaRPr lang="en-US" dirty="0"/>
@@ -254,7 +254,7 @@
           <a:p>
             <a:fld id="{502388ED-0782-4B50-B4B4-C5249F541F1A}" type="datetimeFigureOut">
               <a:rPr lang="en-US" smtClean="0"/>
-              <a:t>6/24/2020</a:t>
+              <a:t>7/12/2021</a:t>
             </a:fld>
             <a:endParaRPr lang="en-US"/>
           </a:p>
@@ -348,7 +348,7 @@
           <a:lstStyle/>
           <a:p>
             <a:r>
-              <a:rPr lang="en-US" smtClean="0"/>
+              <a:rPr lang="en-US"/>
               <a:t>Click to edit Master title style</a:t>
             </a:r>
             <a:endParaRPr lang="en-US" dirty="0"/>
@@ -372,35 +372,35 @@
           <a:p>
             <a:pPr lvl="0"/>
             <a:r>
-              <a:rPr lang="en-US" smtClean="0"/>
+              <a:rPr lang="en-US"/>
               <a:t>Edit Master text styles</a:t>
             </a:r>
           </a:p>
           <a:p>
             <a:pPr lvl="1"/>
             <a:r>
-              <a:rPr lang="en-US" smtClean="0"/>
+              <a:rPr lang="en-US"/>
               <a:t>Second level</a:t>
             </a:r>
           </a:p>
           <a:p>
             <a:pPr lvl="2"/>
             <a:r>
-              <a:rPr lang="en-US" smtClean="0"/>
+              <a:rPr lang="en-US"/>
               <a:t>Third level</a:t>
             </a:r>
           </a:p>
           <a:p>
             <a:pPr lvl="3"/>
             <a:r>
-              <a:rPr lang="en-US" smtClean="0"/>
+              <a:rPr lang="en-US"/>
               <a:t>Fourth level</a:t>
             </a:r>
           </a:p>
           <a:p>
             <a:pPr lvl="4"/>
             <a:r>
-              <a:rPr lang="en-US" smtClean="0"/>
+              <a:rPr lang="en-US"/>
               <a:t>Fifth level</a:t>
             </a:r>
             <a:endParaRPr lang="en-US" dirty="0"/>
@@ -424,7 +424,7 @@
           <a:p>
             <a:fld id="{502388ED-0782-4B50-B4B4-C5249F541F1A}" type="datetimeFigureOut">
               <a:rPr lang="en-US" smtClean="0"/>
-              <a:t>6/24/2020</a:t>
+              <a:t>7/12/2021</a:t>
             </a:fld>
             <a:endParaRPr lang="en-US"/>
           </a:p>
@@ -523,7 +523,7 @@
           <a:lstStyle/>
           <a:p>
             <a:r>
-              <a:rPr lang="en-US" smtClean="0"/>
+              <a:rPr lang="en-US"/>
               <a:t>Click to edit Master title style</a:t>
             </a:r>
             <a:endParaRPr lang="en-US" dirty="0"/>
@@ -552,35 +552,35 @@
           <a:p>
             <a:pPr lvl="0"/>
             <a:r>
-              <a:rPr lang="en-US" smtClean="0"/>
+              <a:rPr lang="en-US"/>
               <a:t>Edit Master text styles</a:t>
             </a:r>
           </a:p>
           <a:p>
             <a:pPr lvl="1"/>
             <a:r>
-              <a:rPr lang="en-US" smtClean="0"/>
+              <a:rPr lang="en-US"/>
               <a:t>Second level</a:t>
             </a:r>
           </a:p>
           <a:p>
             <a:pPr lvl="2"/>
             <a:r>
-              <a:rPr lang="en-US" smtClean="0"/>
+              <a:rPr lang="en-US"/>
               <a:t>Third level</a:t>
             </a:r>
           </a:p>
           <a:p>
             <a:pPr lvl="3"/>
             <a:r>
-              <a:rPr lang="en-US" smtClean="0"/>
+              <a:rPr lang="en-US"/>
               <a:t>Fourth level</a:t>
             </a:r>
           </a:p>
           <a:p>
             <a:pPr lvl="4"/>
             <a:r>
-              <a:rPr lang="en-US" smtClean="0"/>
+              <a:rPr lang="en-US"/>
               <a:t>Fifth level</a:t>
             </a:r>
             <a:endParaRPr lang="en-US" dirty="0"/>
@@ -604,7 +604,7 @@
           <a:p>
             <a:fld id="{502388ED-0782-4B50-B4B4-C5249F541F1A}" type="datetimeFigureOut">
               <a:rPr lang="en-US" smtClean="0"/>
-              <a:t>6/24/2020</a:t>
+              <a:t>7/12/2021</a:t>
             </a:fld>
             <a:endParaRPr lang="en-US"/>
           </a:p>
@@ -698,7 +698,7 @@
           <a:lstStyle/>
           <a:p>
             <a:r>
-              <a:rPr lang="en-US" smtClean="0"/>
+              <a:rPr lang="en-US"/>
               <a:t>Click to edit Master title style</a:t>
             </a:r>
             <a:endParaRPr lang="en-US" dirty="0"/>
@@ -722,35 +722,35 @@
           <a:p>
             <a:pPr lvl="0"/>
             <a:r>
-              <a:rPr lang="en-US" smtClean="0"/>
+              <a:rPr lang="en-US"/>
               <a:t>Edit Master text styles</a:t>
             </a:r>
           </a:p>
           <a:p>
             <a:pPr lvl="1"/>
             <a:r>
-              <a:rPr lang="en-US" smtClean="0"/>
+              <a:rPr lang="en-US"/>
               <a:t>Second level</a:t>
             </a:r>
           </a:p>
           <a:p>
             <a:pPr lvl="2"/>
             <a:r>
-              <a:rPr lang="en-US" smtClean="0"/>
+              <a:rPr lang="en-US"/>
               <a:t>Third level</a:t>
             </a:r>
           </a:p>
           <a:p>
             <a:pPr lvl="3"/>
             <a:r>
-              <a:rPr lang="en-US" smtClean="0"/>
+              <a:rPr lang="en-US"/>
               <a:t>Fourth level</a:t>
             </a:r>
           </a:p>
           <a:p>
             <a:pPr lvl="4"/>
             <a:r>
-              <a:rPr lang="en-US" smtClean="0"/>
+              <a:rPr lang="en-US"/>
               <a:t>Fifth level</a:t>
             </a:r>
             <a:endParaRPr lang="en-US" dirty="0"/>
@@ -774,7 +774,7 @@
           <a:p>
             <a:fld id="{502388ED-0782-4B50-B4B4-C5249F541F1A}" type="datetimeFigureOut">
               <a:rPr lang="en-US" smtClean="0"/>
-              <a:t>6/24/2020</a:t>
+              <a:t>7/12/2021</a:t>
             </a:fld>
             <a:endParaRPr lang="en-US"/>
           </a:p>
@@ -877,7 +877,7 @@
           </a:lstStyle>
           <a:p>
             <a:r>
-              <a:rPr lang="en-US" smtClean="0"/>
+              <a:rPr lang="en-US"/>
               <a:t>Click to edit Master title style</a:t>
             </a:r>
             <a:endParaRPr lang="en-US" dirty="0"/>
@@ -995,7 +995,7 @@
           <a:p>
             <a:pPr lvl="0"/>
             <a:r>
-              <a:rPr lang="en-US" smtClean="0"/>
+              <a:rPr lang="en-US"/>
               <a:t>Edit Master text styles</a:t>
             </a:r>
           </a:p>
@@ -1018,7 +1018,7 @@
           <a:p>
             <a:fld id="{502388ED-0782-4B50-B4B4-C5249F541F1A}" type="datetimeFigureOut">
               <a:rPr lang="en-US" smtClean="0"/>
-              <a:t>6/24/2020</a:t>
+              <a:t>7/12/2021</a:t>
             </a:fld>
             <a:endParaRPr lang="en-US"/>
           </a:p>
@@ -1112,7 +1112,7 @@
           <a:lstStyle/>
           <a:p>
             <a:r>
-              <a:rPr lang="en-US" smtClean="0"/>
+              <a:rPr lang="en-US"/>
               <a:t>Click to edit Master title style</a:t>
             </a:r>
             <a:endParaRPr lang="en-US" dirty="0"/>
@@ -1141,35 +1141,35 @@
           <a:p>
             <a:pPr lvl="0"/>
             <a:r>
-              <a:rPr lang="en-US" smtClean="0"/>
+              <a:rPr lang="en-US"/>
               <a:t>Edit Master text styles</a:t>
             </a:r>
           </a:p>
           <a:p>
             <a:pPr lvl="1"/>
             <a:r>
-              <a:rPr lang="en-US" smtClean="0"/>
+              <a:rPr lang="en-US"/>
               <a:t>Second level</a:t>
             </a:r>
           </a:p>
           <a:p>
             <a:pPr lvl="2"/>
             <a:r>
-              <a:rPr lang="en-US" smtClean="0"/>
+              <a:rPr lang="en-US"/>
               <a:t>Third level</a:t>
             </a:r>
           </a:p>
           <a:p>
             <a:pPr lvl="3"/>
             <a:r>
-              <a:rPr lang="en-US" smtClean="0"/>
+              <a:rPr lang="en-US"/>
               <a:t>Fourth level</a:t>
             </a:r>
           </a:p>
           <a:p>
             <a:pPr lvl="4"/>
             <a:r>
-              <a:rPr lang="en-US" smtClean="0"/>
+              <a:rPr lang="en-US"/>
               <a:t>Fifth level</a:t>
             </a:r>
             <a:endParaRPr lang="en-US" dirty="0"/>
@@ -1198,35 +1198,35 @@
           <a:p>
             <a:pPr lvl="0"/>
             <a:r>
-              <a:rPr lang="en-US" smtClean="0"/>
+              <a:rPr lang="en-US"/>
               <a:t>Edit Master text styles</a:t>
             </a:r>
           </a:p>
           <a:p>
             <a:pPr lvl="1"/>
             <a:r>
-              <a:rPr lang="en-US" smtClean="0"/>
+              <a:rPr lang="en-US"/>
               <a:t>Second level</a:t>
             </a:r>
           </a:p>
           <a:p>
             <a:pPr lvl="2"/>
             <a:r>
-              <a:rPr lang="en-US" smtClean="0"/>
+              <a:rPr lang="en-US"/>
               <a:t>Third level</a:t>
             </a:r>
           </a:p>
           <a:p>
             <a:pPr lvl="3"/>
             <a:r>
-              <a:rPr lang="en-US" smtClean="0"/>
+              <a:rPr lang="en-US"/>
               <a:t>Fourth level</a:t>
             </a:r>
           </a:p>
           <a:p>
             <a:pPr lvl="4"/>
             <a:r>
-              <a:rPr lang="en-US" smtClean="0"/>
+              <a:rPr lang="en-US"/>
               <a:t>Fifth level</a:t>
             </a:r>
             <a:endParaRPr lang="en-US" dirty="0"/>
@@ -1250,7 +1250,7 @@
           <a:p>
             <a:fld id="{502388ED-0782-4B50-B4B4-C5249F541F1A}" type="datetimeFigureOut">
               <a:rPr lang="en-US" smtClean="0"/>
-              <a:t>6/24/2020</a:t>
+              <a:t>7/12/2021</a:t>
             </a:fld>
             <a:endParaRPr lang="en-US"/>
           </a:p>
@@ -1349,7 +1349,7 @@
           <a:lstStyle/>
           <a:p>
             <a:r>
-              <a:rPr lang="en-US" smtClean="0"/>
+              <a:rPr lang="en-US"/>
               <a:t>Click to edit Master title style</a:t>
             </a:r>
             <a:endParaRPr lang="en-US" dirty="0"/>
@@ -1415,7 +1415,7 @@
           <a:p>
             <a:pPr lvl="0"/>
             <a:r>
-              <a:rPr lang="en-US" smtClean="0"/>
+              <a:rPr lang="en-US"/>
               <a:t>Edit Master text styles</a:t>
             </a:r>
           </a:p>
@@ -1443,35 +1443,35 @@
           <a:p>
             <a:pPr lvl="0"/>
             <a:r>
-              <a:rPr lang="en-US" smtClean="0"/>
+              <a:rPr lang="en-US"/>
               <a:t>Edit Master text styles</a:t>
             </a:r>
           </a:p>
           <a:p>
             <a:pPr lvl="1"/>
             <a:r>
-              <a:rPr lang="en-US" smtClean="0"/>
+              <a:rPr lang="en-US"/>
               <a:t>Second level</a:t>
             </a:r>
           </a:p>
           <a:p>
             <a:pPr lvl="2"/>
             <a:r>
-              <a:rPr lang="en-US" smtClean="0"/>
+              <a:rPr lang="en-US"/>
               <a:t>Third level</a:t>
             </a:r>
           </a:p>
           <a:p>
             <a:pPr lvl="3"/>
             <a:r>
-              <a:rPr lang="en-US" smtClean="0"/>
+              <a:rPr lang="en-US"/>
               <a:t>Fourth level</a:t>
             </a:r>
           </a:p>
           <a:p>
             <a:pPr lvl="4"/>
             <a:r>
-              <a:rPr lang="en-US" smtClean="0"/>
+              <a:rPr lang="en-US"/>
               <a:t>Fifth level</a:t>
             </a:r>
             <a:endParaRPr lang="en-US" dirty="0"/>
@@ -1537,7 +1537,7 @@
           <a:p>
             <a:pPr lvl="0"/>
             <a:r>
-              <a:rPr lang="en-US" smtClean="0"/>
+              <a:rPr lang="en-US"/>
               <a:t>Edit Master text styles</a:t>
             </a:r>
           </a:p>
@@ -1565,35 +1565,35 @@
           <a:p>
             <a:pPr lvl="0"/>
             <a:r>
-              <a:rPr lang="en-US" smtClean="0"/>
+              <a:rPr lang="en-US"/>
               <a:t>Edit Master text styles</a:t>
             </a:r>
           </a:p>
           <a:p>
             <a:pPr lvl="1"/>
             <a:r>
-              <a:rPr lang="en-US" smtClean="0"/>
+              <a:rPr lang="en-US"/>
               <a:t>Second level</a:t>
             </a:r>
           </a:p>
           <a:p>
             <a:pPr lvl="2"/>
             <a:r>
-              <a:rPr lang="en-US" smtClean="0"/>
+              <a:rPr lang="en-US"/>
               <a:t>Third level</a:t>
             </a:r>
           </a:p>
           <a:p>
             <a:pPr lvl="3"/>
             <a:r>
-              <a:rPr lang="en-US" smtClean="0"/>
+              <a:rPr lang="en-US"/>
               <a:t>Fourth level</a:t>
             </a:r>
           </a:p>
           <a:p>
             <a:pPr lvl="4"/>
             <a:r>
-              <a:rPr lang="en-US" smtClean="0"/>
+              <a:rPr lang="en-US"/>
               <a:t>Fifth level</a:t>
             </a:r>
             <a:endParaRPr lang="en-US" dirty="0"/>
@@ -1617,7 +1617,7 @@
           <a:p>
             <a:fld id="{502388ED-0782-4B50-B4B4-C5249F541F1A}" type="datetimeFigureOut">
               <a:rPr lang="en-US" smtClean="0"/>
-              <a:t>6/24/2020</a:t>
+              <a:t>7/12/2021</a:t>
             </a:fld>
             <a:endParaRPr lang="en-US"/>
           </a:p>
@@ -1711,7 +1711,7 @@
           <a:lstStyle/>
           <a:p>
             <a:r>
-              <a:rPr lang="en-US" smtClean="0"/>
+              <a:rPr lang="en-US"/>
               <a:t>Click to edit Master title style</a:t>
             </a:r>
             <a:endParaRPr lang="en-US" dirty="0"/>
@@ -1735,7 +1735,7 @@
           <a:p>
             <a:fld id="{502388ED-0782-4B50-B4B4-C5249F541F1A}" type="datetimeFigureOut">
               <a:rPr lang="en-US" smtClean="0"/>
-              <a:t>6/24/2020</a:t>
+              <a:t>7/12/2021</a:t>
             </a:fld>
             <a:endParaRPr lang="en-US"/>
           </a:p>
@@ -1830,7 +1830,7 @@
           <a:p>
             <a:fld id="{502388ED-0782-4B50-B4B4-C5249F541F1A}" type="datetimeFigureOut">
               <a:rPr lang="en-US" smtClean="0"/>
-              <a:t>6/24/2020</a:t>
+              <a:t>7/12/2021</a:t>
             </a:fld>
             <a:endParaRPr lang="en-US"/>
           </a:p>
@@ -1933,7 +1933,7 @@
           </a:lstStyle>
           <a:p>
             <a:r>
-              <a:rPr lang="en-US" smtClean="0"/>
+              <a:rPr lang="en-US"/>
               <a:t>Click to edit Master title style</a:t>
             </a:r>
             <a:endParaRPr lang="en-US" dirty="0"/>
@@ -1990,35 +1990,35 @@
           <a:p>
             <a:pPr lvl="0"/>
             <a:r>
-              <a:rPr lang="en-US" smtClean="0"/>
+              <a:rPr lang="en-US"/>
               <a:t>Edit Master text styles</a:t>
             </a:r>
           </a:p>
           <a:p>
             <a:pPr lvl="1"/>
             <a:r>
-              <a:rPr lang="en-US" smtClean="0"/>
+              <a:rPr lang="en-US"/>
               <a:t>Second level</a:t>
             </a:r>
           </a:p>
           <a:p>
             <a:pPr lvl="2"/>
             <a:r>
-              <a:rPr lang="en-US" smtClean="0"/>
+              <a:rPr lang="en-US"/>
               <a:t>Third level</a:t>
             </a:r>
           </a:p>
           <a:p>
             <a:pPr lvl="3"/>
             <a:r>
-              <a:rPr lang="en-US" smtClean="0"/>
+              <a:rPr lang="en-US"/>
               <a:t>Fourth level</a:t>
             </a:r>
           </a:p>
           <a:p>
             <a:pPr lvl="4"/>
             <a:r>
-              <a:rPr lang="en-US" smtClean="0"/>
+              <a:rPr lang="en-US"/>
               <a:t>Fifth level</a:t>
             </a:r>
             <a:endParaRPr lang="en-US" dirty="0"/>
@@ -2084,7 +2084,7 @@
           <a:p>
             <a:pPr lvl="0"/>
             <a:r>
-              <a:rPr lang="en-US" smtClean="0"/>
+              <a:rPr lang="en-US"/>
               <a:t>Edit Master text styles</a:t>
             </a:r>
           </a:p>
@@ -2107,7 +2107,7 @@
           <a:p>
             <a:fld id="{502388ED-0782-4B50-B4B4-C5249F541F1A}" type="datetimeFigureOut">
               <a:rPr lang="en-US" smtClean="0"/>
-              <a:t>6/24/2020</a:t>
+              <a:t>7/12/2021</a:t>
             </a:fld>
             <a:endParaRPr lang="en-US"/>
           </a:p>
@@ -2210,7 +2210,7 @@
           </a:lstStyle>
           <a:p>
             <a:r>
-              <a:rPr lang="en-US" smtClean="0"/>
+              <a:rPr lang="en-US"/>
               <a:t>Click to edit Master title style</a:t>
             </a:r>
             <a:endParaRPr lang="en-US" dirty="0"/>
@@ -2275,7 +2275,7 @@
           </a:lstStyle>
           <a:p>
             <a:r>
-              <a:rPr lang="en-US" smtClean="0"/>
+              <a:rPr lang="en-US"/>
               <a:t>Click icon to add picture</a:t>
             </a:r>
             <a:endParaRPr lang="en-US" dirty="0"/>
@@ -2341,7 +2341,7 @@
           <a:p>
             <a:pPr lvl="0"/>
             <a:r>
-              <a:rPr lang="en-US" smtClean="0"/>
+              <a:rPr lang="en-US"/>
               <a:t>Edit Master text styles</a:t>
             </a:r>
           </a:p>
@@ -2364,7 +2364,7 @@
           <a:p>
             <a:fld id="{502388ED-0782-4B50-B4B4-C5249F541F1A}" type="datetimeFigureOut">
               <a:rPr lang="en-US" smtClean="0"/>
-              <a:t>6/24/2020</a:t>
+              <a:t>7/12/2021</a:t>
             </a:fld>
             <a:endParaRPr lang="en-US"/>
           </a:p>
@@ -2473,7 +2473,7 @@
           <a:lstStyle/>
           <a:p>
             <a:r>
-              <a:rPr lang="en-US" smtClean="0"/>
+              <a:rPr lang="en-US"/>
               <a:t>Click to edit Master title style</a:t>
             </a:r>
             <a:endParaRPr lang="en-US" dirty="0"/>
@@ -2507,35 +2507,35 @@
           <a:p>
             <a:pPr lvl="0"/>
             <a:r>
-              <a:rPr lang="en-US" smtClean="0"/>
+              <a:rPr lang="en-US"/>
               <a:t>Edit Master text styles</a:t>
             </a:r>
           </a:p>
           <a:p>
             <a:pPr lvl="1"/>
             <a:r>
-              <a:rPr lang="en-US" smtClean="0"/>
+              <a:rPr lang="en-US"/>
               <a:t>Second level</a:t>
             </a:r>
           </a:p>
           <a:p>
             <a:pPr lvl="2"/>
             <a:r>
-              <a:rPr lang="en-US" smtClean="0"/>
+              <a:rPr lang="en-US"/>
               <a:t>Third level</a:t>
             </a:r>
           </a:p>
           <a:p>
             <a:pPr lvl="3"/>
             <a:r>
-              <a:rPr lang="en-US" smtClean="0"/>
+              <a:rPr lang="en-US"/>
               <a:t>Fourth level</a:t>
             </a:r>
           </a:p>
           <a:p>
             <a:pPr lvl="4"/>
             <a:r>
-              <a:rPr lang="en-US" smtClean="0"/>
+              <a:rPr lang="en-US"/>
               <a:t>Fifth level</a:t>
             </a:r>
             <a:endParaRPr lang="en-US" dirty="0"/>
@@ -2577,7 +2577,7 @@
           <a:p>
             <a:fld id="{502388ED-0782-4B50-B4B4-C5249F541F1A}" type="datetimeFigureOut">
               <a:rPr lang="en-US" smtClean="0"/>
-              <a:t>6/24/2020</a:t>
+              <a:t>7/12/2021</a:t>
             </a:fld>
             <a:endParaRPr lang="en-US"/>
           </a:p>
@@ -3599,7 +3599,7 @@
         <p:spPr>
           <a:xfrm>
             <a:off x="1561331" y="5989043"/>
-            <a:ext cx="2135099" cy="338554"/>
+            <a:ext cx="2135099" cy="461665"/>
           </a:xfrm>
           <a:prstGeom prst="rect">
             <a:avLst/>
@@ -3630,19 +3630,6 @@
           <a:p>
             <a:pPr algn="ctr"/>
             <a:r>
-              <a:rPr lang="en-US" sz="800" dirty="0" smtClean="0">
-                <a:solidFill>
-                  <a:schemeClr val="tx1">
-                    <a:lumMod val="95000"/>
-                    <a:lumOff val="5000"/>
-                  </a:schemeClr>
-                </a:solidFill>
-                <a:latin typeface="Arial" panose="020B0604020202020204" pitchFamily="34" charset="0"/>
-                <a:cs typeface="Arial" panose="020B0604020202020204" pitchFamily="34" charset="0"/>
-              </a:rPr>
-              <a:t>MNDWI </a:t>
-            </a:r>
-            <a:r>
               <a:rPr lang="en-US" sz="800" dirty="0">
                 <a:solidFill>
                   <a:schemeClr val="tx1">
@@ -3653,10 +3640,10 @@
                 <a:latin typeface="Arial" panose="020B0604020202020204" pitchFamily="34" charset="0"/>
                 <a:cs typeface="Arial" panose="020B0604020202020204" pitchFamily="34" charset="0"/>
               </a:rPr>
-              <a:t>&gt; </a:t>
-            </a:r>
-            <a:r>
-              <a:rPr lang="en-US" sz="800" i="1" dirty="0" err="1">
+              <a:t>MNDWI &gt; </a:t>
+            </a:r>
+            <a:r>
+              <a:rPr lang="en-US" sz="800" i="1" dirty="0">
                 <a:solidFill>
                   <a:schemeClr val="tx1">
                     <a:lumMod val="95000"/>
@@ -3666,33 +3653,7 @@
                 <a:latin typeface="Arial" panose="020B0604020202020204" pitchFamily="34" charset="0"/>
                 <a:cs typeface="Arial" panose="020B0604020202020204" pitchFamily="34" charset="0"/>
               </a:rPr>
-              <a:t>T</a:t>
-            </a:r>
-            <a:r>
-              <a:rPr lang="en-US" sz="800" i="1" dirty="0" err="1" smtClean="0">
-                <a:solidFill>
-                  <a:schemeClr val="tx1">
-                    <a:lumMod val="95000"/>
-                    <a:lumOff val="5000"/>
-                  </a:schemeClr>
-                </a:solidFill>
-                <a:latin typeface="Arial" panose="020B0604020202020204" pitchFamily="34" charset="0"/>
-                <a:cs typeface="Arial" panose="020B0604020202020204" pitchFamily="34" charset="0"/>
-              </a:rPr>
-              <a:t>h</a:t>
-            </a:r>
-            <a:r>
-              <a:rPr lang="en-US" sz="800" dirty="0" smtClean="0">
-                <a:solidFill>
-                  <a:schemeClr val="tx1">
-                    <a:lumMod val="95000"/>
-                    <a:lumOff val="5000"/>
-                  </a:schemeClr>
-                </a:solidFill>
-                <a:latin typeface="Arial" panose="020B0604020202020204" pitchFamily="34" charset="0"/>
-                <a:cs typeface="Arial" panose="020B0604020202020204" pitchFamily="34" charset="0"/>
-              </a:rPr>
-              <a:t> </a:t>
+              <a:t>Dynamic-Th</a:t>
             </a:r>
             <a:r>
               <a:rPr lang="en-US" sz="800" dirty="0">
@@ -3705,10 +3666,22 @@
                 <a:latin typeface="Arial" panose="020B0604020202020204" pitchFamily="34" charset="0"/>
                 <a:cs typeface="Arial" panose="020B0604020202020204" pitchFamily="34" charset="0"/>
               </a:rPr>
-              <a:t>&amp; </a:t>
-            </a:r>
-            <a:r>
-              <a:rPr lang="en-US" sz="800" dirty="0" smtClean="0">
+              <a:t> &amp; </a:t>
+            </a:r>
+            <a:br>
+              <a:rPr lang="en-US" sz="800" dirty="0">
+                <a:solidFill>
+                  <a:schemeClr val="tx1">
+                    <a:lumMod val="95000"/>
+                    <a:lumOff val="5000"/>
+                  </a:schemeClr>
+                </a:solidFill>
+                <a:latin typeface="Arial" panose="020B0604020202020204" pitchFamily="34" charset="0"/>
+                <a:cs typeface="Arial" panose="020B0604020202020204" pitchFamily="34" charset="0"/>
+              </a:rPr>
+            </a:br>
+            <a:r>
+              <a:rPr lang="en-US" sz="800" dirty="0">
                 <a:solidFill>
                   <a:schemeClr val="tx1">
                     <a:lumMod val="95000"/>
@@ -3721,7 +3694,7 @@
               <a:t>VDCN &lt; </a:t>
             </a:r>
             <a:r>
-              <a:rPr lang="en-US" sz="800" i="1" dirty="0" smtClean="0">
+              <a:rPr lang="en-US" sz="800" i="1" dirty="0">
                 <a:solidFill>
                   <a:schemeClr val="tx1">
                     <a:lumMod val="95000"/>
@@ -3733,16 +3706,6 @@
               </a:rPr>
               <a:t>15 m</a:t>
             </a:r>
-            <a:endParaRPr lang="en-US" sz="800" i="1" dirty="0">
-              <a:solidFill>
-                <a:schemeClr val="tx1">
-                  <a:lumMod val="95000"/>
-                  <a:lumOff val="5000"/>
-                </a:schemeClr>
-              </a:solidFill>
-              <a:latin typeface="Arial" panose="020B0604020202020204" pitchFamily="34" charset="0"/>
-              <a:cs typeface="Arial" panose="020B0604020202020204" pitchFamily="34" charset="0"/>
-            </a:endParaRPr>
           </a:p>
         </p:txBody>
       </p:sp>
@@ -3979,20 +3942,7 @@
                   <a:latin typeface="Arial" panose="020B0604020202020204" pitchFamily="34" charset="0"/>
                   <a:cs typeface="Arial" panose="020B0604020202020204" pitchFamily="34" charset="0"/>
                 </a:rPr>
-                <a:t>Vertical Distance to Channel </a:t>
-              </a:r>
-              <a:r>
-                <a:rPr lang="en-US" sz="800" dirty="0" smtClean="0">
-                  <a:solidFill>
-                    <a:schemeClr val="tx1">
-                      <a:lumMod val="95000"/>
-                      <a:lumOff val="5000"/>
-                    </a:schemeClr>
-                  </a:solidFill>
-                  <a:latin typeface="Arial" panose="020B0604020202020204" pitchFamily="34" charset="0"/>
-                  <a:cs typeface="Arial" panose="020B0604020202020204" pitchFamily="34" charset="0"/>
-                </a:rPr>
-                <a:t>Network (VDCN)</a:t>
+                <a:t>Vertical Distance to Channel Network (VDCN)</a:t>
               </a:r>
               <a:endParaRPr lang="en-US" sz="800" i="1" dirty="0">
                 <a:solidFill>
@@ -4083,7 +4033,7 @@
               <a:t>Canny Edge Detector &amp; Otsu Dynamic Bimodal Threshold </a:t>
             </a:r>
             <a:r>
-              <a:rPr lang="en-US" sz="800" i="1" dirty="0" smtClean="0">
+              <a:rPr lang="en-US" sz="800" i="1" dirty="0">
                 <a:solidFill>
                   <a:schemeClr val="tx1">
                     <a:lumMod val="95000"/>
@@ -4093,44 +4043,8 @@
                 <a:latin typeface="Arial" panose="020B0604020202020204" pitchFamily="34" charset="0"/>
                 <a:cs typeface="Arial" panose="020B0604020202020204" pitchFamily="34" charset="0"/>
               </a:rPr>
-              <a:t>(</a:t>
-            </a:r>
-            <a:r>
-              <a:rPr lang="en-US" sz="800" i="1" dirty="0" err="1" smtClean="0">
-                <a:solidFill>
-                  <a:schemeClr val="tx1">
-                    <a:lumMod val="95000"/>
-                    <a:lumOff val="5000"/>
-                  </a:schemeClr>
-                </a:solidFill>
-                <a:latin typeface="Arial" panose="020B0604020202020204" pitchFamily="34" charset="0"/>
-                <a:cs typeface="Arial" panose="020B0604020202020204" pitchFamily="34" charset="0"/>
-              </a:rPr>
-              <a:t>Th</a:t>
-            </a:r>
-            <a:r>
-              <a:rPr lang="en-US" sz="800" i="1" dirty="0" smtClean="0">
-                <a:solidFill>
-                  <a:schemeClr val="tx1">
-                    <a:lumMod val="95000"/>
-                    <a:lumOff val="5000"/>
-                  </a:schemeClr>
-                </a:solidFill>
-                <a:latin typeface="Arial" panose="020B0604020202020204" pitchFamily="34" charset="0"/>
-                <a:cs typeface="Arial" panose="020B0604020202020204" pitchFamily="34" charset="0"/>
-              </a:rPr>
-              <a:t>)</a:t>
-            </a:r>
-            <a:endParaRPr lang="en-US" sz="800" i="1" dirty="0">
-              <a:solidFill>
-                <a:schemeClr val="tx1">
-                  <a:lumMod val="95000"/>
-                  <a:lumOff val="5000"/>
-                </a:schemeClr>
-              </a:solidFill>
-              <a:latin typeface="Arial" panose="020B0604020202020204" pitchFamily="34" charset="0"/>
-              <a:cs typeface="Arial" panose="020B0604020202020204" pitchFamily="34" charset="0"/>
-            </a:endParaRPr>
+              <a:t>(Dynamic-Th)</a:t>
+            </a:r>
           </a:p>
         </p:txBody>
       </p:sp>
@@ -5084,19 +4998,8 @@
                 <a:latin typeface="Arial" panose="020B0604020202020204" pitchFamily="34" charset="0"/>
                 <a:cs typeface="Arial" panose="020B0604020202020204" pitchFamily="34" charset="0"/>
               </a:rPr>
-              <a:t>Detected landslide-dammed </a:t>
-            </a:r>
-            <a:r>
-              <a:rPr lang="en-US" sz="800" dirty="0" smtClean="0">
-                <a:latin typeface="Arial" panose="020B0604020202020204" pitchFamily="34" charset="0"/>
-                <a:cs typeface="Arial" panose="020B0604020202020204" pitchFamily="34" charset="0"/>
-              </a:rPr>
-              <a:t>lakes </a:t>
-            </a:r>
-            <a:endParaRPr lang="en-US" sz="800" dirty="0">
-              <a:latin typeface="Arial" panose="020B0604020202020204" pitchFamily="34" charset="0"/>
-              <a:cs typeface="Arial" panose="020B0604020202020204" pitchFamily="34" charset="0"/>
-            </a:endParaRPr>
+              <a:t>Detected landslide-dammed lakes </a:t>
+            </a:r>
           </a:p>
           <a:p>
             <a:pPr algn="ctr"/>
@@ -5372,7 +5275,7 @@
           <a:lstStyle/>
           <a:p>
             <a:r>
-              <a:rPr lang="en-US" sz="800" b="1" dirty="0" smtClean="0">
+              <a:rPr lang="en-US" sz="800" b="1" dirty="0">
                 <a:solidFill>
                   <a:schemeClr val="tx1">
                     <a:lumMod val="95000"/>
@@ -5384,16 +5287,6 @@
               </a:rPr>
               <a:t>Reference data</a:t>
             </a:r>
-            <a:endParaRPr lang="en-US" sz="800" b="1" dirty="0">
-              <a:solidFill>
-                <a:schemeClr val="tx1">
-                  <a:lumMod val="95000"/>
-                  <a:lumOff val="5000"/>
-                </a:schemeClr>
-              </a:solidFill>
-              <a:latin typeface="Arial" panose="020B0604020202020204" pitchFamily="34" charset="0"/>
-              <a:cs typeface="Arial" panose="020B0604020202020204" pitchFamily="34" charset="0"/>
-            </a:endParaRPr>
           </a:p>
         </p:txBody>
       </p:sp>
